--- a/Flappy_Bird.pptx
+++ b/Flappy_Bird.pptx
@@ -860,7 +860,7 @@
           <a:p>
             <a:fld id="{9CBC1BAD-EBE6-4C78-BA0B-C4CE4F6E6064}" type="datetimeFigureOut">
               <a:rPr lang="ru-RU" smtClean="0"/>
-              <a:t>19.01.2023</a:t>
+              <a:t>20.01.2023</a:t>
             </a:fld>
             <a:endParaRPr lang="ru-RU" dirty="0"/>
           </a:p>
@@ -1111,7 +1111,7 @@
           <a:p>
             <a:fld id="{9CBC1BAD-EBE6-4C78-BA0B-C4CE4F6E6064}" type="datetimeFigureOut">
               <a:rPr lang="ru-RU" smtClean="0"/>
-              <a:t>19.01.2023</a:t>
+              <a:t>20.01.2023</a:t>
             </a:fld>
             <a:endParaRPr lang="ru-RU" dirty="0"/>
           </a:p>
@@ -1425,7 +1425,7 @@
           <a:p>
             <a:fld id="{9CBC1BAD-EBE6-4C78-BA0B-C4CE4F6E6064}" type="datetimeFigureOut">
               <a:rPr lang="ru-RU" smtClean="0"/>
-              <a:t>19.01.2023</a:t>
+              <a:t>20.01.2023</a:t>
             </a:fld>
             <a:endParaRPr lang="ru-RU" dirty="0"/>
           </a:p>
@@ -1758,7 +1758,7 @@
           <a:p>
             <a:fld id="{9CBC1BAD-EBE6-4C78-BA0B-C4CE4F6E6064}" type="datetimeFigureOut">
               <a:rPr lang="ru-RU" smtClean="0"/>
-              <a:t>19.01.2023</a:t>
+              <a:t>20.01.2023</a:t>
             </a:fld>
             <a:endParaRPr lang="ru-RU" dirty="0"/>
           </a:p>
@@ -2072,7 +2072,7 @@
           <a:p>
             <a:fld id="{9CBC1BAD-EBE6-4C78-BA0B-C4CE4F6E6064}" type="datetimeFigureOut">
               <a:rPr lang="ru-RU" smtClean="0"/>
-              <a:t>19.01.2023</a:t>
+              <a:t>20.01.2023</a:t>
             </a:fld>
             <a:endParaRPr lang="ru-RU" dirty="0"/>
           </a:p>
@@ -2465,7 +2465,7 @@
           <a:p>
             <a:fld id="{9CBC1BAD-EBE6-4C78-BA0B-C4CE4F6E6064}" type="datetimeFigureOut">
               <a:rPr lang="ru-RU" smtClean="0"/>
-              <a:t>19.01.2023</a:t>
+              <a:t>20.01.2023</a:t>
             </a:fld>
             <a:endParaRPr lang="ru-RU" dirty="0"/>
           </a:p>
@@ -2635,7 +2635,7 @@
           <a:p>
             <a:fld id="{9CBC1BAD-EBE6-4C78-BA0B-C4CE4F6E6064}" type="datetimeFigureOut">
               <a:rPr lang="ru-RU" smtClean="0"/>
-              <a:t>19.01.2023</a:t>
+              <a:t>20.01.2023</a:t>
             </a:fld>
             <a:endParaRPr lang="ru-RU" dirty="0"/>
           </a:p>
@@ -2815,7 +2815,7 @@
           <a:p>
             <a:fld id="{9CBC1BAD-EBE6-4C78-BA0B-C4CE4F6E6064}" type="datetimeFigureOut">
               <a:rPr lang="ru-RU" smtClean="0"/>
-              <a:t>19.01.2023</a:t>
+              <a:t>20.01.2023</a:t>
             </a:fld>
             <a:endParaRPr lang="ru-RU" dirty="0"/>
           </a:p>
@@ -2985,7 +2985,7 @@
           <a:p>
             <a:fld id="{9CBC1BAD-EBE6-4C78-BA0B-C4CE4F6E6064}" type="datetimeFigureOut">
               <a:rPr lang="ru-RU" smtClean="0"/>
-              <a:t>19.01.2023</a:t>
+              <a:t>20.01.2023</a:t>
             </a:fld>
             <a:endParaRPr lang="ru-RU" dirty="0"/>
           </a:p>
@@ -3232,7 +3232,7 @@
           <a:p>
             <a:fld id="{9CBC1BAD-EBE6-4C78-BA0B-C4CE4F6E6064}" type="datetimeFigureOut">
               <a:rPr lang="ru-RU" smtClean="0"/>
-              <a:t>19.01.2023</a:t>
+              <a:t>20.01.2023</a:t>
             </a:fld>
             <a:endParaRPr lang="ru-RU" dirty="0"/>
           </a:p>
@@ -3464,7 +3464,7 @@
           <a:p>
             <a:fld id="{9CBC1BAD-EBE6-4C78-BA0B-C4CE4F6E6064}" type="datetimeFigureOut">
               <a:rPr lang="ru-RU" smtClean="0"/>
-              <a:t>19.01.2023</a:t>
+              <a:t>20.01.2023</a:t>
             </a:fld>
             <a:endParaRPr lang="ru-RU" dirty="0"/>
           </a:p>
@@ -3838,7 +3838,7 @@
           <a:p>
             <a:fld id="{9CBC1BAD-EBE6-4C78-BA0B-C4CE4F6E6064}" type="datetimeFigureOut">
               <a:rPr lang="ru-RU" smtClean="0"/>
-              <a:t>19.01.2023</a:t>
+              <a:t>20.01.2023</a:t>
             </a:fld>
             <a:endParaRPr lang="ru-RU" dirty="0"/>
           </a:p>
@@ -3961,7 +3961,7 @@
           <a:p>
             <a:fld id="{9CBC1BAD-EBE6-4C78-BA0B-C4CE4F6E6064}" type="datetimeFigureOut">
               <a:rPr lang="ru-RU" smtClean="0"/>
-              <a:t>19.01.2023</a:t>
+              <a:t>20.01.2023</a:t>
             </a:fld>
             <a:endParaRPr lang="ru-RU" dirty="0"/>
           </a:p>
@@ -4056,7 +4056,7 @@
           <a:p>
             <a:fld id="{9CBC1BAD-EBE6-4C78-BA0B-C4CE4F6E6064}" type="datetimeFigureOut">
               <a:rPr lang="ru-RU" smtClean="0"/>
-              <a:t>19.01.2023</a:t>
+              <a:t>20.01.2023</a:t>
             </a:fld>
             <a:endParaRPr lang="ru-RU" dirty="0"/>
           </a:p>
@@ -4311,7 +4311,7 @@
           <a:p>
             <a:fld id="{9CBC1BAD-EBE6-4C78-BA0B-C4CE4F6E6064}" type="datetimeFigureOut">
               <a:rPr lang="ru-RU" smtClean="0"/>
-              <a:t>19.01.2023</a:t>
+              <a:t>20.01.2023</a:t>
             </a:fld>
             <a:endParaRPr lang="ru-RU" dirty="0"/>
           </a:p>
@@ -4616,7 +4616,7 @@
           <a:p>
             <a:fld id="{9CBC1BAD-EBE6-4C78-BA0B-C4CE4F6E6064}" type="datetimeFigureOut">
               <a:rPr lang="ru-RU" smtClean="0"/>
-              <a:t>19.01.2023</a:t>
+              <a:t>20.01.2023</a:t>
             </a:fld>
             <a:endParaRPr lang="ru-RU" dirty="0"/>
           </a:p>
@@ -5318,7 +5318,7 @@
           <a:p>
             <a:fld id="{9CBC1BAD-EBE6-4C78-BA0B-C4CE4F6E6064}" type="datetimeFigureOut">
               <a:rPr lang="ru-RU" smtClean="0"/>
-              <a:t>19.01.2023</a:t>
+              <a:t>20.01.2023</a:t>
             </a:fld>
             <a:endParaRPr lang="ru-RU" dirty="0"/>
           </a:p>
@@ -6347,7 +6347,15 @@
           <a:p>
             <a:r>
               <a:rPr lang="ru-RU" dirty="0"/>
-              <a:t>В заключение можно сказать, что в процессе создания проекта мы узнал много новой информации для себя, проверили свои способности в создании игр на </a:t>
+              <a:t>В заключение можно сказать, что в процессе создания проекта </a:t>
+            </a:r>
+            <a:r>
+              <a:rPr lang="ru-RU"/>
+              <a:t>мы узнали </a:t>
+            </a:r>
+            <a:r>
+              <a:rPr lang="ru-RU" dirty="0"/>
+              <a:t>много новой информации для себя, проверили свои способности в создании игр на </a:t>
             </a:r>
             <a:r>
               <a:rPr lang="en-US" dirty="0"/>
